--- a/04-CrMagOpt/Pictures/CrCloseDot.pptx
+++ b/04-CrMagOpt/Pictures/CrCloseDot.pptx
@@ -288,7 +288,7 @@
           <a:p>
             <a:fld id="{80996800-4B7D-448A-BF1B-3F56F5598ECC}" type="datetimeFigureOut">
               <a:rPr lang="fr-FR" smtClean="0"/>
-              <a:t>31/10/2017</a:t>
+              <a:t>06/11/2017</a:t>
             </a:fld>
             <a:endParaRPr lang="fr-FR"/>
           </a:p>
@@ -458,7 +458,7 @@
           <a:p>
             <a:fld id="{80996800-4B7D-448A-BF1B-3F56F5598ECC}" type="datetimeFigureOut">
               <a:rPr lang="fr-FR" smtClean="0"/>
-              <a:t>31/10/2017</a:t>
+              <a:t>06/11/2017</a:t>
             </a:fld>
             <a:endParaRPr lang="fr-FR"/>
           </a:p>
@@ -638,7 +638,7 @@
           <a:p>
             <a:fld id="{80996800-4B7D-448A-BF1B-3F56F5598ECC}" type="datetimeFigureOut">
               <a:rPr lang="fr-FR" smtClean="0"/>
-              <a:t>31/10/2017</a:t>
+              <a:t>06/11/2017</a:t>
             </a:fld>
             <a:endParaRPr lang="fr-FR"/>
           </a:p>
@@ -808,7 +808,7 @@
           <a:p>
             <a:fld id="{80996800-4B7D-448A-BF1B-3F56F5598ECC}" type="datetimeFigureOut">
               <a:rPr lang="fr-FR" smtClean="0"/>
-              <a:t>31/10/2017</a:t>
+              <a:t>06/11/2017</a:t>
             </a:fld>
             <a:endParaRPr lang="fr-FR"/>
           </a:p>
@@ -1054,7 +1054,7 @@
           <a:p>
             <a:fld id="{80996800-4B7D-448A-BF1B-3F56F5598ECC}" type="datetimeFigureOut">
               <a:rPr lang="fr-FR" smtClean="0"/>
-              <a:t>31/10/2017</a:t>
+              <a:t>06/11/2017</a:t>
             </a:fld>
             <a:endParaRPr lang="fr-FR"/>
           </a:p>
@@ -1342,7 +1342,7 @@
           <a:p>
             <a:fld id="{80996800-4B7D-448A-BF1B-3F56F5598ECC}" type="datetimeFigureOut">
               <a:rPr lang="fr-FR" smtClean="0"/>
-              <a:t>31/10/2017</a:t>
+              <a:t>06/11/2017</a:t>
             </a:fld>
             <a:endParaRPr lang="fr-FR"/>
           </a:p>
@@ -1764,7 +1764,7 @@
           <a:p>
             <a:fld id="{80996800-4B7D-448A-BF1B-3F56F5598ECC}" type="datetimeFigureOut">
               <a:rPr lang="fr-FR" smtClean="0"/>
-              <a:t>31/10/2017</a:t>
+              <a:t>06/11/2017</a:t>
             </a:fld>
             <a:endParaRPr lang="fr-FR"/>
           </a:p>
@@ -1882,7 +1882,7 @@
           <a:p>
             <a:fld id="{80996800-4B7D-448A-BF1B-3F56F5598ECC}" type="datetimeFigureOut">
               <a:rPr lang="fr-FR" smtClean="0"/>
-              <a:t>31/10/2017</a:t>
+              <a:t>06/11/2017</a:t>
             </a:fld>
             <a:endParaRPr lang="fr-FR"/>
           </a:p>
@@ -1977,7 +1977,7 @@
           <a:p>
             <a:fld id="{80996800-4B7D-448A-BF1B-3F56F5598ECC}" type="datetimeFigureOut">
               <a:rPr lang="fr-FR" smtClean="0"/>
-              <a:t>31/10/2017</a:t>
+              <a:t>06/11/2017</a:t>
             </a:fld>
             <a:endParaRPr lang="fr-FR"/>
           </a:p>
@@ -2254,7 +2254,7 @@
           <a:p>
             <a:fld id="{80996800-4B7D-448A-BF1B-3F56F5598ECC}" type="datetimeFigureOut">
               <a:rPr lang="fr-FR" smtClean="0"/>
-              <a:t>31/10/2017</a:t>
+              <a:t>06/11/2017</a:t>
             </a:fld>
             <a:endParaRPr lang="fr-FR"/>
           </a:p>
@@ -2507,7 +2507,7 @@
           <a:p>
             <a:fld id="{80996800-4B7D-448A-BF1B-3F56F5598ECC}" type="datetimeFigureOut">
               <a:rPr lang="fr-FR" smtClean="0"/>
-              <a:t>31/10/2017</a:t>
+              <a:t>06/11/2017</a:t>
             </a:fld>
             <a:endParaRPr lang="fr-FR"/>
           </a:p>
@@ -2720,7 +2720,7 @@
           <a:p>
             <a:fld id="{80996800-4B7D-448A-BF1B-3F56F5598ECC}" type="datetimeFigureOut">
               <a:rPr lang="fr-FR" smtClean="0"/>
-              <a:t>31/10/2017</a:t>
+              <a:t>06/11/2017</a:t>
             </a:fld>
             <a:endParaRPr lang="fr-FR"/>
           </a:p>
@@ -3563,8 +3563,8 @@
         </p:nvSpPr>
         <p:spPr>
           <a:xfrm>
-            <a:off x="2936558" y="2044800"/>
-            <a:ext cx="915635" cy="369332"/>
+            <a:off x="3042000" y="2044800"/>
+            <a:ext cx="800219" cy="369332"/>
           </a:xfrm>
           <a:prstGeom prst="rect">
             <a:avLst/>
@@ -3582,7 +3582,7 @@
                 <a:latin typeface="Times New Roman" pitchFamily="18" charset="0"/>
                 <a:cs typeface="Times New Roman" pitchFamily="18" charset="0"/>
               </a:rPr>
-              <a:t>1.43 </a:t>
+              <a:t>1.2 </a:t>
             </a:r>
             <a:r>
               <a:rPr lang="fr-FR" dirty="0" smtClean="0">
@@ -3643,8 +3643,8 @@
         </p:nvSpPr>
         <p:spPr>
           <a:xfrm>
-            <a:off x="2937600" y="884255"/>
-            <a:ext cx="915635" cy="369332"/>
+            <a:off x="3042000" y="884255"/>
+            <a:ext cx="800219" cy="369332"/>
           </a:xfrm>
           <a:prstGeom prst="rect">
             <a:avLst/>
@@ -3662,7 +3662,7 @@
                 <a:latin typeface="Times New Roman" pitchFamily="18" charset="0"/>
                 <a:cs typeface="Times New Roman" pitchFamily="18" charset="0"/>
               </a:rPr>
-              <a:t>1.36 </a:t>
+              <a:t>1.0 </a:t>
             </a:r>
             <a:r>
               <a:rPr lang="fr-FR" dirty="0" smtClean="0">

--- a/04-CrMagOpt/Pictures/CrCloseDot.pptx
+++ b/04-CrMagOpt/Pictures/CrCloseDot.pptx
@@ -288,7 +288,7 @@
           <a:p>
             <a:fld id="{80996800-4B7D-448A-BF1B-3F56F5598ECC}" type="datetimeFigureOut">
               <a:rPr lang="fr-FR" smtClean="0"/>
-              <a:t>06/11/2017</a:t>
+              <a:t>14/11/2017</a:t>
             </a:fld>
             <a:endParaRPr lang="fr-FR"/>
           </a:p>
@@ -458,7 +458,7 @@
           <a:p>
             <a:fld id="{80996800-4B7D-448A-BF1B-3F56F5598ECC}" type="datetimeFigureOut">
               <a:rPr lang="fr-FR" smtClean="0"/>
-              <a:t>06/11/2017</a:t>
+              <a:t>14/11/2017</a:t>
             </a:fld>
             <a:endParaRPr lang="fr-FR"/>
           </a:p>
@@ -638,7 +638,7 @@
           <a:p>
             <a:fld id="{80996800-4B7D-448A-BF1B-3F56F5598ECC}" type="datetimeFigureOut">
               <a:rPr lang="fr-FR" smtClean="0"/>
-              <a:t>06/11/2017</a:t>
+              <a:t>14/11/2017</a:t>
             </a:fld>
             <a:endParaRPr lang="fr-FR"/>
           </a:p>
@@ -808,7 +808,7 @@
           <a:p>
             <a:fld id="{80996800-4B7D-448A-BF1B-3F56F5598ECC}" type="datetimeFigureOut">
               <a:rPr lang="fr-FR" smtClean="0"/>
-              <a:t>06/11/2017</a:t>
+              <a:t>14/11/2017</a:t>
             </a:fld>
             <a:endParaRPr lang="fr-FR"/>
           </a:p>
@@ -1054,7 +1054,7 @@
           <a:p>
             <a:fld id="{80996800-4B7D-448A-BF1B-3F56F5598ECC}" type="datetimeFigureOut">
               <a:rPr lang="fr-FR" smtClean="0"/>
-              <a:t>06/11/2017</a:t>
+              <a:t>14/11/2017</a:t>
             </a:fld>
             <a:endParaRPr lang="fr-FR"/>
           </a:p>
@@ -1342,7 +1342,7 @@
           <a:p>
             <a:fld id="{80996800-4B7D-448A-BF1B-3F56F5598ECC}" type="datetimeFigureOut">
               <a:rPr lang="fr-FR" smtClean="0"/>
-              <a:t>06/11/2017</a:t>
+              <a:t>14/11/2017</a:t>
             </a:fld>
             <a:endParaRPr lang="fr-FR"/>
           </a:p>
@@ -1764,7 +1764,7 @@
           <a:p>
             <a:fld id="{80996800-4B7D-448A-BF1B-3F56F5598ECC}" type="datetimeFigureOut">
               <a:rPr lang="fr-FR" smtClean="0"/>
-              <a:t>06/11/2017</a:t>
+              <a:t>14/11/2017</a:t>
             </a:fld>
             <a:endParaRPr lang="fr-FR"/>
           </a:p>
@@ -1882,7 +1882,7 @@
           <a:p>
             <a:fld id="{80996800-4B7D-448A-BF1B-3F56F5598ECC}" type="datetimeFigureOut">
               <a:rPr lang="fr-FR" smtClean="0"/>
-              <a:t>06/11/2017</a:t>
+              <a:t>14/11/2017</a:t>
             </a:fld>
             <a:endParaRPr lang="fr-FR"/>
           </a:p>
@@ -1977,7 +1977,7 @@
           <a:p>
             <a:fld id="{80996800-4B7D-448A-BF1B-3F56F5598ECC}" type="datetimeFigureOut">
               <a:rPr lang="fr-FR" smtClean="0"/>
-              <a:t>06/11/2017</a:t>
+              <a:t>14/11/2017</a:t>
             </a:fld>
             <a:endParaRPr lang="fr-FR"/>
           </a:p>
@@ -2254,7 +2254,7 @@
           <a:p>
             <a:fld id="{80996800-4B7D-448A-BF1B-3F56F5598ECC}" type="datetimeFigureOut">
               <a:rPr lang="fr-FR" smtClean="0"/>
-              <a:t>06/11/2017</a:t>
+              <a:t>14/11/2017</a:t>
             </a:fld>
             <a:endParaRPr lang="fr-FR"/>
           </a:p>
@@ -2507,7 +2507,7 @@
           <a:p>
             <a:fld id="{80996800-4B7D-448A-BF1B-3F56F5598ECC}" type="datetimeFigureOut">
               <a:rPr lang="fr-FR" smtClean="0"/>
-              <a:t>06/11/2017</a:t>
+              <a:t>14/11/2017</a:t>
             </a:fld>
             <a:endParaRPr lang="fr-FR"/>
           </a:p>
@@ -2720,7 +2720,7 @@
           <a:p>
             <a:fld id="{80996800-4B7D-448A-BF1B-3F56F5598ECC}" type="datetimeFigureOut">
               <a:rPr lang="fr-FR" smtClean="0"/>
-              <a:t>06/11/2017</a:t>
+              <a:t>14/11/2017</a:t>
             </a:fld>
             <a:endParaRPr lang="fr-FR"/>
           </a:p>
@@ -3273,49 +3273,6 @@
           </a:fontRef>
         </p:style>
       </p:cxnSp>
-      <p:sp>
-        <p:nvSpPr>
-          <p:cNvPr id="118" name="ZoneTexte 117"/>
-          <p:cNvSpPr txBox="1"/>
-          <p:nvPr/>
-        </p:nvSpPr>
-        <p:spPr>
-          <a:xfrm>
-            <a:off x="8127420" y="3074323"/>
-            <a:ext cx="548523" cy="354677"/>
-          </a:xfrm>
-          <a:prstGeom prst="rect">
-            <a:avLst/>
-          </a:prstGeom>
-          <a:noFill/>
-        </p:spPr>
-        <p:txBody>
-          <a:bodyPr wrap="none" rtlCol="0">
-            <a:spAutoFit/>
-          </a:bodyPr>
-          <a:lstStyle/>
-          <a:p>
-            <a:r>
-              <a:rPr lang="fr-FR" sz="2400" dirty="0" smtClean="0">
-                <a:latin typeface="Times New Roman" pitchFamily="18" charset="0"/>
-                <a:cs typeface="Times New Roman" pitchFamily="18" charset="0"/>
-              </a:rPr>
-              <a:t>Cr</a:t>
-            </a:r>
-            <a:r>
-              <a:rPr lang="fr-FR" sz="2400" baseline="30000" dirty="0" smtClean="0">
-                <a:latin typeface="Times New Roman" pitchFamily="18" charset="0"/>
-                <a:cs typeface="Times New Roman" pitchFamily="18" charset="0"/>
-              </a:rPr>
-              <a:t>3+</a:t>
-            </a:r>
-            <a:endParaRPr lang="fr-FR" sz="2400" baseline="30000" dirty="0">
-              <a:latin typeface="Times New Roman" pitchFamily="18" charset="0"/>
-              <a:cs typeface="Times New Roman" pitchFamily="18" charset="0"/>
-            </a:endParaRPr>
-          </a:p>
-        </p:txBody>
-      </p:sp>
       <p:cxnSp>
         <p:nvCxnSpPr>
           <p:cNvPr id="119" name="Connecteur droit 118"/>
@@ -3360,8 +3317,8 @@
         </p:nvSpPr>
         <p:spPr>
           <a:xfrm>
-            <a:off x="8128206" y="2498259"/>
-            <a:ext cx="548523" cy="354677"/>
+            <a:off x="7596609" y="2498259"/>
+            <a:ext cx="1321196" cy="461665"/>
           </a:xfrm>
           <a:prstGeom prst="rect">
             <a:avLst/>
@@ -3382,18 +3339,25 @@
               <a:t>Cr</a:t>
             </a:r>
             <a:r>
-              <a:rPr lang="fr-FR" sz="2400" baseline="30000" dirty="0">
+              <a:rPr lang="fr-FR" sz="2400" baseline="30000" dirty="0" smtClean="0">
                 <a:latin typeface="Times New Roman" pitchFamily="18" charset="0"/>
                 <a:cs typeface="Times New Roman" pitchFamily="18" charset="0"/>
               </a:rPr>
-              <a:t>2</a:t>
+              <a:t>2+</a:t>
+            </a:r>
+            <a:r>
+              <a:rPr lang="fr-FR" sz="2400" dirty="0" smtClean="0">
+                <a:latin typeface="Times New Roman" pitchFamily="18" charset="0"/>
+                <a:cs typeface="Times New Roman" pitchFamily="18" charset="0"/>
+              </a:rPr>
+              <a:t>/Cr</a:t>
             </a:r>
             <a:r>
               <a:rPr lang="fr-FR" sz="2400" baseline="30000" dirty="0" smtClean="0">
                 <a:latin typeface="Times New Roman" pitchFamily="18" charset="0"/>
                 <a:cs typeface="Times New Roman" pitchFamily="18" charset="0"/>
               </a:rPr>
-              <a:t>+</a:t>
+              <a:t>3+</a:t>
             </a:r>
             <a:endParaRPr lang="fr-FR" sz="2400" baseline="30000" dirty="0">
               <a:latin typeface="Times New Roman" pitchFamily="18" charset="0"/>
@@ -3410,8 +3374,8 @@
         </p:nvSpPr>
         <p:spPr>
           <a:xfrm>
-            <a:off x="8128206" y="1202115"/>
-            <a:ext cx="469314" cy="354677"/>
+            <a:off x="7746158" y="1167135"/>
+            <a:ext cx="1218603" cy="461665"/>
           </a:xfrm>
           <a:prstGeom prst="rect">
             <a:avLst/>
@@ -3437,6 +3401,20 @@
                 <a:cs typeface="Times New Roman" pitchFamily="18" charset="0"/>
               </a:rPr>
               <a:t>+</a:t>
+            </a:r>
+            <a:r>
+              <a:rPr lang="fr-FR" sz="2400" dirty="0" smtClean="0">
+                <a:latin typeface="Times New Roman" pitchFamily="18" charset="0"/>
+                <a:cs typeface="Times New Roman" pitchFamily="18" charset="0"/>
+              </a:rPr>
+              <a:t>/Cr</a:t>
+            </a:r>
+            <a:r>
+              <a:rPr lang="fr-FR" sz="2400" baseline="30000" dirty="0" smtClean="0">
+                <a:latin typeface="Times New Roman" pitchFamily="18" charset="0"/>
+                <a:cs typeface="Times New Roman" pitchFamily="18" charset="0"/>
+              </a:rPr>
+              <a:t>2+</a:t>
             </a:r>
             <a:endParaRPr lang="fr-FR" sz="2400" baseline="30000" dirty="0">
               <a:latin typeface="Times New Roman" pitchFamily="18" charset="0"/>
@@ -3582,14 +3560,7 @@
                 <a:latin typeface="Times New Roman" pitchFamily="18" charset="0"/>
                 <a:cs typeface="Times New Roman" pitchFamily="18" charset="0"/>
               </a:rPr>
-              <a:t>1.2 </a:t>
-            </a:r>
-            <a:r>
-              <a:rPr lang="fr-FR" dirty="0" smtClean="0">
-                <a:latin typeface="Times New Roman" pitchFamily="18" charset="0"/>
-                <a:cs typeface="Times New Roman" pitchFamily="18" charset="0"/>
-              </a:rPr>
-              <a:t>eV</a:t>
+              <a:t>1.2 eV</a:t>
             </a:r>
             <a:endParaRPr lang="fr-FR" dirty="0">
               <a:latin typeface="Times New Roman" pitchFamily="18" charset="0"/>
@@ -3662,14 +3633,7 @@
                 <a:latin typeface="Times New Roman" pitchFamily="18" charset="0"/>
                 <a:cs typeface="Times New Roman" pitchFamily="18" charset="0"/>
               </a:rPr>
-              <a:t>1.0 </a:t>
-            </a:r>
-            <a:r>
-              <a:rPr lang="fr-FR" dirty="0" smtClean="0">
-                <a:latin typeface="Times New Roman" pitchFamily="18" charset="0"/>
-                <a:cs typeface="Times New Roman" pitchFamily="18" charset="0"/>
-              </a:rPr>
-              <a:t>eV</a:t>
+              <a:t>1.0 eV</a:t>
             </a:r>
             <a:endParaRPr lang="fr-FR" dirty="0">
               <a:latin typeface="Times New Roman" pitchFamily="18" charset="0"/>
